--- a/Day10/JavaMultithreadNew.pptx
+++ b/Day10/JavaMultithreadNew.pptx
@@ -370,7 +370,7 @@
             <a:fld id="{1D8BD707-D9CF-40AE-B4C6-C98DA3205C09}" type="datetimeFigureOut">
               <a:rPr lang="en-US"/>
               <a:pPr/>
-              <a:t>6/17/2021</a:t>
+              <a:t>6/20/2021</a:t>
             </a:fld>
             <a:endParaRPr lang="en-US"/>
           </a:p>
@@ -559,7 +559,7 @@
             <a:fld id="{1D8BD707-D9CF-40AE-B4C6-C98DA3205C09}" type="datetimeFigureOut">
               <a:rPr lang="en-US"/>
               <a:pPr/>
-              <a:t>6/17/2021</a:t>
+              <a:t>6/20/2021</a:t>
             </a:fld>
             <a:endParaRPr lang="en-US"/>
           </a:p>
@@ -843,7 +843,7 @@
             <a:fld id="{1D8BD707-D9CF-40AE-B4C6-C98DA3205C09}" type="datetimeFigureOut">
               <a:rPr lang="en-US"/>
               <a:pPr/>
-              <a:t>6/17/2021</a:t>
+              <a:t>6/20/2021</a:t>
             </a:fld>
             <a:endParaRPr lang="en-US"/>
           </a:p>
@@ -1003,7 +1003,7 @@
             <a:fld id="{1D8BD707-D9CF-40AE-B4C6-C98DA3205C09}" type="datetimeFigureOut">
               <a:rPr lang="en-US"/>
               <a:pPr/>
-              <a:t>6/17/2021</a:t>
+              <a:t>6/20/2021</a:t>
             </a:fld>
             <a:endParaRPr lang="en-US"/>
           </a:p>
@@ -1134,7 +1134,7 @@
             <a:fld id="{1D8BD707-D9CF-40AE-B4C6-C98DA3205C09}" type="datetimeFigureOut">
               <a:rPr lang="en-US"/>
               <a:pPr/>
-              <a:t>6/17/2021</a:t>
+              <a:t>6/20/2021</a:t>
             </a:fld>
             <a:endParaRPr lang="en-US"/>
           </a:p>
@@ -1371,7 +1371,7 @@
             <a:fld id="{1D8BD707-D9CF-40AE-B4C6-C98DA3205C09}" type="datetimeFigureOut">
               <a:rPr lang="en-US"/>
               <a:pPr/>
-              <a:t>6/17/2021</a:t>
+              <a:t>6/20/2021</a:t>
             </a:fld>
             <a:endParaRPr lang="en-US"/>
           </a:p>
@@ -2152,6 +2152,13 @@
   <p:clrMapOvr>
     <a:masterClrMapping/>
   </p:clrMapOvr>
+  <p:timing>
+    <p:tnLst>
+      <p:par>
+        <p:cTn id="1" dur="indefinite" restart="never" nodeType="tmRoot"/>
+      </p:par>
+    </p:tnLst>
+  </p:timing>
 </p:sld>
 </file>
 
@@ -2339,6 +2346,13 @@
   <p:clrMapOvr>
     <a:masterClrMapping/>
   </p:clrMapOvr>
+  <p:timing>
+    <p:tnLst>
+      <p:par>
+        <p:cTn id="1" dur="indefinite" restart="never" nodeType="tmRoot"/>
+      </p:par>
+    </p:tnLst>
+  </p:timing>
 </p:sld>
 </file>
 
@@ -2530,6 +2544,13 @@
   <p:clrMapOvr>
     <a:masterClrMapping/>
   </p:clrMapOvr>
+  <p:timing>
+    <p:tnLst>
+      <p:par>
+        <p:cTn id="1" dur="indefinite" restart="never" nodeType="tmRoot"/>
+      </p:par>
+    </p:tnLst>
+  </p:timing>
 </p:sld>
 </file>
 
@@ -2717,6 +2738,13 @@
   <p:clrMapOvr>
     <a:masterClrMapping/>
   </p:clrMapOvr>
+  <p:timing>
+    <p:tnLst>
+      <p:par>
+        <p:cTn id="1" dur="indefinite" restart="never" nodeType="tmRoot"/>
+      </p:par>
+    </p:tnLst>
+  </p:timing>
 </p:sld>
 </file>
 
@@ -2968,6 +2996,13 @@
   <p:clrMapOvr>
     <a:masterClrMapping/>
   </p:clrMapOvr>
+  <p:timing>
+    <p:tnLst>
+      <p:par>
+        <p:cTn id="1" dur="indefinite" restart="never" nodeType="tmRoot"/>
+      </p:par>
+    </p:tnLst>
+  </p:timing>
 </p:sld>
 </file>
 
@@ -4776,6 +4811,13 @@
   <p:clrMapOvr>
     <a:masterClrMapping/>
   </p:clrMapOvr>
+  <p:timing>
+    <p:tnLst>
+      <p:par>
+        <p:cTn id="1" dur="indefinite" restart="never" nodeType="tmRoot"/>
+      </p:par>
+    </p:tnLst>
+  </p:timing>
 </p:sld>
 </file>
 
@@ -5550,6 +5592,13 @@
   <p:clrMapOvr>
     <a:masterClrMapping/>
   </p:clrMapOvr>
+  <p:timing>
+    <p:tnLst>
+      <p:par>
+        <p:cTn id="1" dur="indefinite" restart="never" nodeType="tmRoot"/>
+      </p:par>
+    </p:tnLst>
+  </p:timing>
 </p:sld>
 </file>
 
@@ -7546,6 +7595,13 @@
   <p:clrMapOvr>
     <a:masterClrMapping/>
   </p:clrMapOvr>
+  <p:timing>
+    <p:tnLst>
+      <p:par>
+        <p:cTn id="1" dur="indefinite" restart="never" nodeType="tmRoot"/>
+      </p:par>
+    </p:tnLst>
+  </p:timing>
 </p:sld>
 </file>
 
@@ -8247,7 +8303,7 @@
               </a:rPr>
               <a:t>"+thread.isAlive());</a:t>
             </a:r>
-            <a:endParaRPr sz="2000">
+            <a:endParaRPr sz="2000" dirty="0">
               <a:latin typeface="Carlito"/>
               <a:cs typeface="Carlito"/>
             </a:endParaRPr>
@@ -8265,7 +8321,7 @@
               </a:rPr>
               <a:t>}</a:t>
             </a:r>
-            <a:endParaRPr sz="2000">
+            <a:endParaRPr sz="2000" dirty="0">
               <a:latin typeface="Carlito"/>
               <a:cs typeface="Carlito"/>
             </a:endParaRPr>
@@ -8286,7 +8342,7 @@
               </a:rPr>
               <a:t>}</a:t>
             </a:r>
-            <a:endParaRPr sz="2000">
+            <a:endParaRPr sz="2000" dirty="0">
               <a:latin typeface="Carlito"/>
               <a:cs typeface="Carlito"/>
             </a:endParaRPr>
@@ -9030,6 +9086,13 @@
   <p:clrMapOvr>
     <a:masterClrMapping/>
   </p:clrMapOvr>
+  <p:timing>
+    <p:tnLst>
+      <p:par>
+        <p:cTn id="1" dur="indefinite" restart="never" nodeType="tmRoot"/>
+      </p:par>
+    </p:tnLst>
+  </p:timing>
 </p:sld>
 </file>
 
@@ -11381,6 +11444,13 @@
   <p:clrMapOvr>
     <a:masterClrMapping/>
   </p:clrMapOvr>
+  <p:timing>
+    <p:tnLst>
+      <p:par>
+        <p:cTn id="1" dur="indefinite" restart="never" nodeType="tmRoot"/>
+      </p:par>
+    </p:tnLst>
+  </p:timing>
 </p:sld>
 </file>
 
@@ -11572,7 +11642,7 @@
               </a:rPr>
               <a:t>Runnable{</a:t>
             </a:r>
-            <a:endParaRPr>
+            <a:endParaRPr dirty="0">
               <a:latin typeface="Carlito"/>
               <a:cs typeface="Carlito"/>
             </a:endParaRPr>
@@ -11624,7 +11694,7 @@
               </a:rPr>
               <a:t>StringBuilder("Welcome");</a:t>
             </a:r>
-            <a:endParaRPr>
+            <a:endParaRPr dirty="0">
               <a:latin typeface="Carlito"/>
               <a:cs typeface="Carlito"/>
             </a:endParaRPr>
@@ -11667,7 +11737,7 @@
               </a:rPr>
               <a:t>@Override</a:t>
             </a:r>
-            <a:endParaRPr>
+            <a:endParaRPr dirty="0">
               <a:latin typeface="Carlito"/>
               <a:cs typeface="Carlito"/>
             </a:endParaRPr>
@@ -11709,7 +11779,7 @@
               </a:rPr>
               <a:t>{</a:t>
             </a:r>
-            <a:endParaRPr>
+            <a:endParaRPr dirty="0">
               <a:latin typeface="Carlito"/>
               <a:cs typeface="Carlito"/>
             </a:endParaRPr>
@@ -11751,7 +11821,7 @@
               </a:rPr>
               <a:t>message.length();</a:t>
             </a:r>
-            <a:endParaRPr>
+            <a:endParaRPr dirty="0">
               <a:latin typeface="Carlito"/>
               <a:cs typeface="Carlito"/>
             </a:endParaRPr>
@@ -11786,7 +11856,7 @@
               </a:rPr>
               <a:t>i=0;i&lt;size;i++){</a:t>
             </a:r>
-            <a:endParaRPr>
+            <a:endParaRPr dirty="0">
               <a:latin typeface="Carlito"/>
               <a:cs typeface="Carlito"/>
             </a:endParaRPr>
@@ -11836,7 +11906,7 @@
               </a:rPr>
               <a:t> message.append('x'));</a:t>
             </a:r>
-            <a:endParaRPr>
+            <a:endParaRPr dirty="0">
               <a:latin typeface="Carlito"/>
               <a:cs typeface="Carlito"/>
             </a:endParaRPr>
@@ -11857,7 +11927,7 @@
               </a:rPr>
               <a:t>}</a:t>
             </a:r>
-            <a:endParaRPr>
+            <a:endParaRPr dirty="0">
               <a:latin typeface="Carlito"/>
               <a:cs typeface="Carlito"/>
             </a:endParaRPr>
@@ -12705,6 +12775,13 @@
   <p:clrMapOvr>
     <a:masterClrMapping/>
   </p:clrMapOvr>
+  <p:timing>
+    <p:tnLst>
+      <p:par>
+        <p:cTn id="1" dur="indefinite" restart="never" nodeType="tmRoot"/>
+      </p:par>
+    </p:tnLst>
+  </p:timing>
 </p:sld>
 </file>
 
@@ -13697,6 +13774,13 @@
   <p:clrMapOvr>
     <a:masterClrMapping/>
   </p:clrMapOvr>
+  <p:timing>
+    <p:tnLst>
+      <p:par>
+        <p:cTn id="1" dur="indefinite" restart="never" nodeType="tmRoot"/>
+      </p:par>
+    </p:tnLst>
+  </p:timing>
 </p:sld>
 </file>
 
@@ -14650,6 +14734,13 @@
   <p:clrMapOvr>
     <a:masterClrMapping/>
   </p:clrMapOvr>
+  <p:timing>
+    <p:tnLst>
+      <p:par>
+        <p:cTn id="1" dur="indefinite" restart="never" nodeType="tmRoot"/>
+      </p:par>
+    </p:tnLst>
+  </p:timing>
 </p:sld>
 </file>
 
@@ -15547,6 +15638,13 @@
   <p:clrMapOvr>
     <a:masterClrMapping/>
   </p:clrMapOvr>
+  <p:timing>
+    <p:tnLst>
+      <p:par>
+        <p:cTn id="1" dur="indefinite" restart="never" nodeType="tmRoot"/>
+      </p:par>
+    </p:tnLst>
+  </p:timing>
 </p:sld>
 </file>
 
@@ -18043,7 +18141,7 @@
               </a:rPr>
               <a:t>Runnable{</a:t>
             </a:r>
-            <a:endParaRPr sz="2200">
+            <a:endParaRPr sz="2200" dirty="0">
               <a:latin typeface="Carlito"/>
               <a:cs typeface="Carlito"/>
             </a:endParaRPr>
@@ -18095,7 +18193,7 @@
               </a:rPr>
               <a:t>StringBuilder("Welcome");</a:t>
             </a:r>
-            <a:endParaRPr sz="2200">
+            <a:endParaRPr sz="2200" dirty="0">
               <a:latin typeface="Carlito"/>
               <a:cs typeface="Carlito"/>
             </a:endParaRPr>
@@ -18116,7 +18214,7 @@
               </a:rPr>
               <a:t>@Override</a:t>
             </a:r>
-            <a:endParaRPr sz="2200">
+            <a:endParaRPr sz="2200" dirty="0">
               <a:latin typeface="Carlito"/>
               <a:cs typeface="Carlito"/>
             </a:endParaRPr>
@@ -18158,7 +18256,7 @@
               </a:rPr>
               <a:t>{</a:t>
             </a:r>
-            <a:endParaRPr sz="2200">
+            <a:endParaRPr sz="2200" dirty="0">
               <a:latin typeface="Carlito"/>
               <a:cs typeface="Carlito"/>
             </a:endParaRPr>
@@ -18200,7 +18298,7 @@
               </a:rPr>
               <a:t>message.length();</a:t>
             </a:r>
-            <a:endParaRPr sz="2200">
+            <a:endParaRPr sz="2200" dirty="0">
               <a:latin typeface="Carlito"/>
               <a:cs typeface="Carlito"/>
             </a:endParaRPr>
@@ -18245,7 +18343,7 @@
               </a:rPr>
               <a:t>i=0;i&lt;size;i++){</a:t>
             </a:r>
-            <a:endParaRPr sz="2200">
+            <a:endParaRPr sz="2200" dirty="0">
               <a:latin typeface="Carlito"/>
               <a:cs typeface="Carlito"/>
             </a:endParaRPr>
@@ -18273,7 +18371,7 @@
               </a:rPr>
               <a:t>out.println(message.append('x'));</a:t>
             </a:r>
-            <a:endParaRPr sz="2200">
+            <a:endParaRPr sz="2200" dirty="0">
               <a:latin typeface="Carlito"/>
               <a:cs typeface="Carlito"/>
             </a:endParaRPr>
@@ -18294,7 +18392,7 @@
               </a:rPr>
               <a:t>}</a:t>
             </a:r>
-            <a:endParaRPr sz="2200">
+            <a:endParaRPr sz="2200" dirty="0">
               <a:latin typeface="Carlito"/>
               <a:cs typeface="Carlito"/>
             </a:endParaRPr>
@@ -18419,7 +18517,7 @@
         </p:nvSpPr>
         <p:spPr>
           <a:xfrm>
-            <a:off x="1859279" y="4503420"/>
+            <a:off x="1981200" y="5029200"/>
             <a:ext cx="9629140" cy="830580"/>
           </a:xfrm>
           <a:prstGeom prst="rect">
@@ -28227,6 +28325,13 @@
   <p:clrMapOvr>
     <a:masterClrMapping/>
   </p:clrMapOvr>
+  <p:timing>
+    <p:tnLst>
+      <p:par>
+        <p:cTn id="1" dur="indefinite" restart="never" nodeType="tmRoot"/>
+      </p:par>
+    </p:tnLst>
+  </p:timing>
 </p:sld>
 </file>
 
@@ -37464,6 +37569,13 @@
   <p:clrMapOvr>
     <a:masterClrMapping/>
   </p:clrMapOvr>
+  <p:timing>
+    <p:tnLst>
+      <p:par>
+        <p:cTn id="1" dur="indefinite" restart="never" nodeType="tmRoot"/>
+      </p:par>
+    </p:tnLst>
+  </p:timing>
 </p:sld>
 </file>
 
@@ -45942,6 +46054,13 @@
   <p:clrMapOvr>
     <a:masterClrMapping/>
   </p:clrMapOvr>
+  <p:timing>
+    <p:tnLst>
+      <p:par>
+        <p:cTn id="1" dur="indefinite" restart="never" nodeType="tmRoot"/>
+      </p:par>
+    </p:tnLst>
+  </p:timing>
 </p:sld>
 </file>
 
@@ -58768,6 +58887,13 @@
   <p:clrMapOvr>
     <a:masterClrMapping/>
   </p:clrMapOvr>
+  <p:timing>
+    <p:tnLst>
+      <p:par>
+        <p:cTn id="1" dur="indefinite" restart="never" nodeType="tmRoot"/>
+      </p:par>
+    </p:tnLst>
+  </p:timing>
 </p:sld>
 </file>
 
@@ -59700,6 +59826,13 @@
   <p:clrMapOvr>
     <a:masterClrMapping/>
   </p:clrMapOvr>
+  <p:timing>
+    <p:tnLst>
+      <p:par>
+        <p:cTn id="1" dur="indefinite" restart="never" nodeType="tmRoot"/>
+      </p:par>
+    </p:tnLst>
+  </p:timing>
 </p:sld>
 </file>
 
@@ -59916,6 +60049,13 @@
   <p:clrMapOvr>
     <a:masterClrMapping/>
   </p:clrMapOvr>
+  <p:timing>
+    <p:tnLst>
+      <p:par>
+        <p:cTn id="1" dur="indefinite" restart="never" nodeType="tmRoot"/>
+      </p:par>
+    </p:tnLst>
+  </p:timing>
 </p:sld>
 </file>
 
@@ -60132,6 +60272,13 @@
   <p:clrMapOvr>
     <a:masterClrMapping/>
   </p:clrMapOvr>
+  <p:timing>
+    <p:tnLst>
+      <p:par>
+        <p:cTn id="1" dur="indefinite" restart="never" nodeType="tmRoot"/>
+      </p:par>
+    </p:tnLst>
+  </p:timing>
 </p:sld>
 </file>
 
